--- a/PresentazioneSDEP2023.pptx
+++ b/PresentazioneSDEP2023.pptx
@@ -236,7 +236,7 @@
             <a:pPr rtl="0"/>
             <a:fld id="{F611C00B-412B-4E1E-AB3D-740A199EBADB}" type="datetime1">
               <a:rPr lang="it-IT" smtClean="0"/>
-              <a:t>18/09/2023</a:t>
+              <a:t>19/09/2023</a:t>
             </a:fld>
             <a:endParaRPr lang="it-IT"/>
           </a:p>
@@ -406,7 +406,7 @@
             <a:pPr rtl="0"/>
             <a:fld id="{CF47E401-DE6A-4486-AB12-E6B7C8A427DE}" type="datetime1">
               <a:rPr lang="it-IT" noProof="0" smtClean="0"/>
-              <a:t>18/09/2023</a:t>
+              <a:t>19/09/2023</a:t>
             </a:fld>
             <a:endParaRPr lang="it-IT" noProof="0"/>
           </a:p>
@@ -3932,7 +3932,7 @@
             <a:pPr rtl="0"/>
             <a:fld id="{0938FD73-929E-4A8E-83D6-5D7313ACF2AA}" type="datetime1">
               <a:rPr lang="it-IT" noProof="0" smtClean="0"/>
-              <a:t>18/09/2023</a:t>
+              <a:t>19/09/2023</a:t>
             </a:fld>
             <a:endParaRPr lang="it-IT" noProof="0"/>
           </a:p>
@@ -4227,7 +4227,7 @@
             <a:pPr rtl="0"/>
             <a:fld id="{33C120F4-9DB1-4954-ACC5-A3CDDA892246}" type="datetime1">
               <a:rPr lang="it-IT" noProof="0" smtClean="0"/>
-              <a:t>18/09/2023</a:t>
+              <a:t>19/09/2023</a:t>
             </a:fld>
             <a:endParaRPr lang="it-IT" noProof="0"/>
           </a:p>
@@ -4474,7 +4474,7 @@
             <a:pPr rtl="0"/>
             <a:fld id="{069CB230-FE7F-462E-900B-69DCEE3D0421}" type="datetime1">
               <a:rPr lang="it-IT" noProof="0" smtClean="0"/>
-              <a:t>18/09/2023</a:t>
+              <a:t>19/09/2023</a:t>
             </a:fld>
             <a:endParaRPr lang="it-IT" noProof="0"/>
           </a:p>
@@ -5013,7 +5013,7 @@
             <a:pPr rtl="0"/>
             <a:fld id="{FC3DDCB6-49B9-49A9-B058-5E14F61687CF}" type="datetime1">
               <a:rPr lang="it-IT" noProof="0" smtClean="0"/>
-              <a:t>18/09/2023</a:t>
+              <a:t>19/09/2023</a:t>
             </a:fld>
             <a:endParaRPr lang="it-IT" noProof="0"/>
           </a:p>
@@ -5260,7 +5260,7 @@
             <a:pPr rtl="0"/>
             <a:fld id="{795C5C71-B1B2-4D87-B58E-3A2CF8C8DE9B}" type="datetime1">
               <a:rPr lang="it-IT" noProof="0" smtClean="0"/>
-              <a:t>18/09/2023</a:t>
+              <a:t>19/09/2023</a:t>
             </a:fld>
             <a:endParaRPr lang="it-IT" noProof="0"/>
           </a:p>
@@ -5791,7 +5791,7 @@
             <a:pPr rtl="0"/>
             <a:fld id="{C24B85CD-E21A-458A-94F6-2E81E8D2F5FF}" type="datetime1">
               <a:rPr lang="it-IT" noProof="0" smtClean="0"/>
-              <a:t>18/09/2023</a:t>
+              <a:t>19/09/2023</a:t>
             </a:fld>
             <a:endParaRPr lang="it-IT" noProof="0"/>
           </a:p>
@@ -6086,7 +6086,7 @@
             <a:pPr rtl="0"/>
             <a:fld id="{12BBAB17-EABE-4506-95B0-A9C915A3823F}" type="datetime1">
               <a:rPr lang="it-IT" noProof="0" smtClean="0"/>
-              <a:t>18/09/2023</a:t>
+              <a:t>19/09/2023</a:t>
             </a:fld>
             <a:endParaRPr lang="it-IT" noProof="0"/>
           </a:p>
@@ -6258,7 +6258,7 @@
             <a:pPr rtl="0"/>
             <a:fld id="{0E2B3811-F432-446A-8904-4D0961A532DD}" type="datetime1">
               <a:rPr lang="it-IT" noProof="0" smtClean="0"/>
-              <a:t>18/09/2023</a:t>
+              <a:t>19/09/2023</a:t>
             </a:fld>
             <a:endParaRPr lang="it-IT" noProof="0"/>
           </a:p>
@@ -6436,7 +6436,7 @@
             <a:pPr rtl="0"/>
             <a:fld id="{2FCD8822-4F02-4434-AA96-607132C6F0C6}" type="datetime1">
               <a:rPr lang="it-IT" noProof="0" smtClean="0"/>
-              <a:t>18/09/2023</a:t>
+              <a:t>19/09/2023</a:t>
             </a:fld>
             <a:endParaRPr lang="it-IT" noProof="0"/>
           </a:p>
@@ -6604,7 +6604,7 @@
             <a:pPr rtl="0"/>
             <a:fld id="{35388A09-223A-46F7-844E-E1DA34046CEE}" type="datetime1">
               <a:rPr lang="it-IT" noProof="0" smtClean="0"/>
-              <a:t>18/09/2023</a:t>
+              <a:t>19/09/2023</a:t>
             </a:fld>
             <a:endParaRPr lang="it-IT" noProof="0"/>
           </a:p>
@@ -6854,7 +6854,7 @@
             <a:pPr rtl="0"/>
             <a:fld id="{1AB4D4C2-DE58-47C8-BD44-12DC2EED5C52}" type="datetime1">
               <a:rPr lang="it-IT" noProof="0" smtClean="0"/>
-              <a:t>18/09/2023</a:t>
+              <a:t>19/09/2023</a:t>
             </a:fld>
             <a:endParaRPr lang="it-IT" noProof="0"/>
           </a:p>
@@ -7148,7 +7148,7 @@
             <a:pPr rtl="0"/>
             <a:fld id="{FCAA11F6-DB6F-4F2A-AF76-B9122463770E}" type="datetime1">
               <a:rPr lang="it-IT" noProof="0" smtClean="0"/>
-              <a:t>18/09/2023</a:t>
+              <a:t>19/09/2023</a:t>
             </a:fld>
             <a:endParaRPr lang="it-IT" noProof="0"/>
           </a:p>
@@ -7587,7 +7587,7 @@
             <a:pPr rtl="0"/>
             <a:fld id="{3D70F2F7-41D0-4144-899C-6EB7771FBCFB}" type="datetime1">
               <a:rPr lang="it-IT" noProof="0" smtClean="0"/>
-              <a:t>18/09/2023</a:t>
+              <a:t>19/09/2023</a:t>
             </a:fld>
             <a:endParaRPr lang="it-IT" noProof="0"/>
           </a:p>
@@ -7704,7 +7704,7 @@
             <a:pPr rtl="0"/>
             <a:fld id="{B9E9D8D8-CF01-4532-9AB1-C30199089363}" type="datetime1">
               <a:rPr lang="it-IT" noProof="0" smtClean="0"/>
-              <a:t>18/09/2023</a:t>
+              <a:t>19/09/2023</a:t>
             </a:fld>
             <a:endParaRPr lang="it-IT" noProof="0"/>
           </a:p>
@@ -7798,7 +7798,7 @@
             <a:pPr rtl="0"/>
             <a:fld id="{36FE6D3A-E6E9-40BA-9274-1925E024A282}" type="datetime1">
               <a:rPr lang="it-IT" noProof="0" smtClean="0"/>
-              <a:t>18/09/2023</a:t>
+              <a:t>19/09/2023</a:t>
             </a:fld>
             <a:endParaRPr lang="it-IT" noProof="0"/>
           </a:p>
@@ -8079,7 +8079,7 @@
             <a:pPr rtl="0"/>
             <a:fld id="{B4D4B8C5-63BB-4D55-A9AF-98B76C132433}" type="datetime1">
               <a:rPr lang="it-IT" noProof="0" smtClean="0"/>
-              <a:t>18/09/2023</a:t>
+              <a:t>19/09/2023</a:t>
             </a:fld>
             <a:endParaRPr lang="it-IT" noProof="0"/>
           </a:p>
@@ -8369,7 +8369,7 @@
             <a:pPr rtl="0"/>
             <a:fld id="{05F22EA7-94B2-4507-BD8A-3C21A5B539FD}" type="datetime1">
               <a:rPr lang="it-IT" noProof="0" smtClean="0"/>
-              <a:t>18/09/2023</a:t>
+              <a:t>19/09/2023</a:t>
             </a:fld>
             <a:endParaRPr lang="it-IT" noProof="0"/>
           </a:p>
@@ -8897,7 +8897,7 @@
             <a:pPr rtl="0"/>
             <a:fld id="{E7671CF2-F212-493D-9A3B-90A59E3CBA50}" type="datetime1">
               <a:rPr lang="it-IT" noProof="0" smtClean="0"/>
-              <a:t>18/09/2023</a:t>
+              <a:t>19/09/2023</a:t>
             </a:fld>
             <a:endParaRPr lang="it-IT" noProof="0"/>
           </a:p>
@@ -9416,7 +9416,7 @@
     <p:bg>
       <p:bgPr>
         <a:solidFill>
-          <a:schemeClr val="bg2"/>
+          <a:schemeClr val="tx1"/>
         </a:solidFill>
         <a:effectLst/>
       </p:bgPr>
@@ -9966,8 +9966,8 @@
         </p:nvSpPr>
         <p:spPr>
           <a:xfrm>
-            <a:off x="1018190" y="924232"/>
-            <a:ext cx="8174971" cy="3285866"/>
+            <a:off x="4247350" y="1579763"/>
+            <a:ext cx="5227769" cy="1539572"/>
           </a:xfrm>
         </p:spPr>
         <p:txBody>
@@ -9978,8 +9978,12 @@
           <a:p>
             <a:pPr algn="l"/>
             <a:r>
-              <a:rPr lang="it-IT" sz="4400" b="1" i="1" dirty="0"/>
-              <a:t>Sistemi Distribuiti e Paralleli 2023</a:t>
+              <a:rPr lang="it-IT" sz="4400" b="1" i="1" dirty="0">
+                <a:solidFill>
+                  <a:schemeClr val="bg1"/>
+                </a:solidFill>
+              </a:rPr>
+              <a:t>Sistemi Distribuiti e Paralleli - 2023</a:t>
             </a:r>
           </a:p>
         </p:txBody>
@@ -10002,8 +10006,8 @@
         </p:nvSpPr>
         <p:spPr>
           <a:xfrm>
-            <a:off x="1018190" y="4210098"/>
-            <a:ext cx="7178070" cy="863348"/>
+            <a:off x="4242588" y="3107915"/>
+            <a:ext cx="5136115" cy="535709"/>
           </a:xfrm>
         </p:spPr>
         <p:txBody>
@@ -10014,7 +10018,11 @@
           <a:p>
             <a:pPr algn="l" rtl="0"/>
             <a:r>
-              <a:rPr lang="it-IT" dirty="0"/>
+              <a:rPr lang="it-IT" dirty="0">
+                <a:solidFill>
+                  <a:schemeClr val="bg1"/>
+                </a:solidFill>
+              </a:rPr>
               <a:t>E-COMMERCE LASTRE DI MARMO </a:t>
             </a:r>
           </a:p>
@@ -10034,8 +10042,8 @@
         </p:nvSpPr>
         <p:spPr>
           <a:xfrm>
-            <a:off x="1104181" y="5141343"/>
-            <a:ext cx="3907766" cy="646331"/>
+            <a:off x="4247350" y="4199009"/>
+            <a:ext cx="3943899" cy="646331"/>
           </a:xfrm>
           <a:prstGeom prst="rect">
             <a:avLst/>
@@ -10049,18 +10057,92 @@
           <a:lstStyle/>
           <a:p>
             <a:r>
-              <a:rPr lang="it-IT" dirty="0"/>
+              <a:rPr lang="it-IT" dirty="0">
+                <a:solidFill>
+                  <a:schemeClr val="bg1"/>
+                </a:solidFill>
+              </a:rPr>
               <a:t>RUSSO LUCA – 322759</a:t>
             </a:r>
           </a:p>
           <a:p>
             <a:r>
-              <a:rPr lang="it-IT" dirty="0"/>
+              <a:rPr lang="it-IT" dirty="0">
+                <a:solidFill>
+                  <a:schemeClr val="bg1"/>
+                </a:solidFill>
+              </a:rPr>
               <a:t>GIGLI STEFANO - 330306</a:t>
             </a:r>
           </a:p>
         </p:txBody>
       </p:sp>
+      <p:pic>
+        <p:nvPicPr>
+          <p:cNvPr id="6" name="Immagine 5" descr="Immagine che contiene testo, Elementi grafici, arte, grafica&#10;&#10;Descrizione generata automaticamente">
+            <a:extLst>
+              <a:ext uri="{FF2B5EF4-FFF2-40B4-BE49-F238E27FC236}">
+                <a16:creationId xmlns:a16="http://schemas.microsoft.com/office/drawing/2014/main" id="{AE820811-2A86-108B-49D8-2203AB5BE9E9}"/>
+              </a:ext>
+            </a:extLst>
+          </p:cNvPr>
+          <p:cNvPicPr>
+            <a:picLocks noChangeAspect="1"/>
+          </p:cNvPicPr>
+          <p:nvPr/>
+        </p:nvPicPr>
+        <p:blipFill>
+          <a:blip r:embed="rId3"/>
+          <a:stretch>
+            <a:fillRect/>
+          </a:stretch>
+        </p:blipFill>
+        <p:spPr>
+          <a:xfrm>
+            <a:off x="820702" y="1579763"/>
+            <a:ext cx="3139772" cy="3139772"/>
+          </a:xfrm>
+          <a:prstGeom prst="rect">
+            <a:avLst/>
+          </a:prstGeom>
+        </p:spPr>
+      </p:pic>
+      <p:cxnSp>
+        <p:nvCxnSpPr>
+          <p:cNvPr id="8" name="Connettore diritto 7">
+            <a:extLst>
+              <a:ext uri="{FF2B5EF4-FFF2-40B4-BE49-F238E27FC236}">
+                <a16:creationId xmlns:a16="http://schemas.microsoft.com/office/drawing/2014/main" id="{D89B7CFF-FC30-1C2C-640F-7695B3BDB762}"/>
+              </a:ext>
+            </a:extLst>
+          </p:cNvPr>
+          <p:cNvCxnSpPr/>
+          <p:nvPr/>
+        </p:nvCxnSpPr>
+        <p:spPr>
+          <a:xfrm flipV="1">
+            <a:off x="4153265" y="1579763"/>
+            <a:ext cx="0" cy="3259845"/>
+          </a:xfrm>
+          <a:prstGeom prst="line">
+            <a:avLst/>
+          </a:prstGeom>
+        </p:spPr>
+        <p:style>
+          <a:lnRef idx="2">
+            <a:schemeClr val="dk1"/>
+          </a:lnRef>
+          <a:fillRef idx="0">
+            <a:schemeClr val="dk1"/>
+          </a:fillRef>
+          <a:effectRef idx="1">
+            <a:schemeClr val="dk1"/>
+          </a:effectRef>
+          <a:fontRef idx="minor">
+            <a:schemeClr val="tx1"/>
+          </a:fontRef>
+        </p:style>
+      </p:cxnSp>
     </p:spTree>
     <p:extLst>
       <p:ext uri="{BB962C8B-B14F-4D97-AF65-F5344CB8AC3E}">
